--- a/course_material/week_23/week_23_presentation.pptx
+++ b/course_material/week_23/week_23_presentation.pptx
@@ -5,7 +5,7 @@
     <p:sldMasterId id="2147483696" r:id="rId1"/>
   </p:sldMasterIdLst>
   <p:notesMasterIdLst>
-    <p:notesMasterId r:id="rId10"/>
+    <p:notesMasterId r:id="rId12"/>
   </p:notesMasterIdLst>
   <p:sldIdLst>
     <p:sldId id="256" r:id="rId2"/>
@@ -13,9 +13,11 @@
     <p:sldId id="259" r:id="rId4"/>
     <p:sldId id="319" r:id="rId5"/>
     <p:sldId id="322" r:id="rId6"/>
-    <p:sldId id="311" r:id="rId7"/>
-    <p:sldId id="324" r:id="rId8"/>
-    <p:sldId id="271" r:id="rId9"/>
+    <p:sldId id="326" r:id="rId7"/>
+    <p:sldId id="325" r:id="rId8"/>
+    <p:sldId id="311" r:id="rId9"/>
+    <p:sldId id="324" r:id="rId10"/>
+    <p:sldId id="271" r:id="rId11"/>
   </p:sldIdLst>
   <p:sldSz cx="12192000" cy="6858000"/>
   <p:notesSz cx="6858000" cy="9144000"/>
@@ -1830,7 +1832,7 @@
           <a:p>
             <a:fld id="{5CF9EFDB-215C-4120-ADCB-EAD745B7163E}" type="datetimeFigureOut">
               <a:rPr lang="en-US" smtClean="0"/>
-              <a:t>7/20/2021</a:t>
+              <a:t>7/24/2021</a:t>
             </a:fld>
             <a:endParaRPr lang="en-US"/>
           </a:p>
@@ -2395,7 +2397,7 @@
           <a:p>
             <a:r>
               <a:rPr lang="en-US" dirty="0"/>
-              <a:t>https://www.scrapingbee.com/blog/selenium-python/ </a:t>
+              <a:t>https://www.mongodb.com/nosql-explained </a:t>
             </a:r>
           </a:p>
         </p:txBody>
@@ -2480,7 +2482,10 @@
           <a:bodyPr/>
           <a:lstStyle/>
           <a:p>
-            <a:endParaRPr lang="en-US" dirty="0"/>
+            <a:r>
+              <a:rPr lang="en-US" dirty="0"/>
+              <a:t>https://beginnersbook.com/2017/09/mapping-relational-databases-to-mongodb/</a:t>
+            </a:r>
           </a:p>
         </p:txBody>
       </p:sp>
@@ -2501,7 +2506,7 @@
           <a:p>
             <a:fld id="{791F1524-C5FD-4370-8A10-5BE52A97A495}" type="slidenum">
               <a:rPr lang="en-US" smtClean="0"/>
-              <a:t>7</a:t>
+              <a:t>6</a:t>
             </a:fld>
             <a:endParaRPr lang="en-US"/>
           </a:p>
@@ -2510,7 +2515,7 @@
     </p:spTree>
     <p:extLst>
       <p:ext uri="{BB962C8B-B14F-4D97-AF65-F5344CB8AC3E}">
-        <p14:creationId xmlns:p14="http://schemas.microsoft.com/office/powerpoint/2010/main" val="2719247079"/>
+        <p14:creationId xmlns:p14="http://schemas.microsoft.com/office/powerpoint/2010/main" val="2966963830"/>
       </p:ext>
     </p:extLst>
   </p:cSld>
@@ -2585,7 +2590,91 @@
           <a:p>
             <a:fld id="{791F1524-C5FD-4370-8A10-5BE52A97A495}" type="slidenum">
               <a:rPr lang="en-US" smtClean="0"/>
-              <a:t>8</a:t>
+              <a:t>9</a:t>
+            </a:fld>
+            <a:endParaRPr lang="en-US"/>
+          </a:p>
+        </p:txBody>
+      </p:sp>
+    </p:spTree>
+    <p:extLst>
+      <p:ext uri="{BB962C8B-B14F-4D97-AF65-F5344CB8AC3E}">
+        <p14:creationId xmlns:p14="http://schemas.microsoft.com/office/powerpoint/2010/main" val="2719247079"/>
+      </p:ext>
+    </p:extLst>
+  </p:cSld>
+  <p:clrMapOvr>
+    <a:masterClrMapping/>
+  </p:clrMapOvr>
+</p:notes>
+</file>
+
+<file path=ppt/notesSlides/notesSlide7.xml><?xml version="1.0" encoding="utf-8"?>
+<p:notes xmlns:a="http://schemas.openxmlformats.org/drawingml/2006/main" xmlns:r="http://schemas.openxmlformats.org/officeDocument/2006/relationships" xmlns:p="http://schemas.openxmlformats.org/presentationml/2006/main">
+  <p:cSld>
+    <p:spTree>
+      <p:nvGrpSpPr>
+        <p:cNvPr id="1" name=""/>
+        <p:cNvGrpSpPr/>
+        <p:nvPr/>
+      </p:nvGrpSpPr>
+      <p:grpSpPr>
+        <a:xfrm>
+          <a:off x="0" y="0"/>
+          <a:ext cx="0" cy="0"/>
+          <a:chOff x="0" y="0"/>
+          <a:chExt cx="0" cy="0"/>
+        </a:xfrm>
+      </p:grpSpPr>
+      <p:sp>
+        <p:nvSpPr>
+          <p:cNvPr id="2" name="Slide Image Placeholder 1"/>
+          <p:cNvSpPr>
+            <a:spLocks noGrp="1" noRot="1" noChangeAspect="1"/>
+          </p:cNvSpPr>
+          <p:nvPr>
+            <p:ph type="sldImg"/>
+          </p:nvPr>
+        </p:nvSpPr>
+        <p:spPr/>
+      </p:sp>
+      <p:sp>
+        <p:nvSpPr>
+          <p:cNvPr id="3" name="Notes Placeholder 2"/>
+          <p:cNvSpPr>
+            <a:spLocks noGrp="1"/>
+          </p:cNvSpPr>
+          <p:nvPr>
+            <p:ph type="body" idx="1"/>
+          </p:nvPr>
+        </p:nvSpPr>
+        <p:spPr/>
+        <p:txBody>
+          <a:bodyPr/>
+          <a:lstStyle/>
+          <a:p>
+            <a:endParaRPr lang="en-US" dirty="0"/>
+          </a:p>
+        </p:txBody>
+      </p:sp>
+      <p:sp>
+        <p:nvSpPr>
+          <p:cNvPr id="4" name="Slide Number Placeholder 3"/>
+          <p:cNvSpPr>
+            <a:spLocks noGrp="1"/>
+          </p:cNvSpPr>
+          <p:nvPr>
+            <p:ph type="sldNum" sz="quarter" idx="5"/>
+          </p:nvPr>
+        </p:nvSpPr>
+        <p:spPr/>
+        <p:txBody>
+          <a:bodyPr/>
+          <a:lstStyle/>
+          <a:p>
+            <a:fld id="{791F1524-C5FD-4370-8A10-5BE52A97A495}" type="slidenum">
+              <a:rPr lang="en-US" smtClean="0"/>
+              <a:t>10</a:t>
             </a:fld>
             <a:endParaRPr lang="en-US"/>
           </a:p>
@@ -2798,7 +2887,7 @@
           <a:p>
             <a:fld id="{ACF1A1B0-862D-4909-A7DB-D8ADA062DFCA}" type="datetimeFigureOut">
               <a:rPr lang="en-US" dirty="0"/>
-              <a:t>7/20/2021</a:t>
+              <a:t>7/24/2021</a:t>
             </a:fld>
             <a:endParaRPr lang="en-US"/>
           </a:p>
@@ -3021,7 +3110,7 @@
           <a:p>
             <a:fld id="{7B156144-9CB7-4E3A-B87E-A382F9BE05EF}" type="datetimeFigureOut">
               <a:rPr lang="en-US" dirty="0"/>
-              <a:t>7/20/2021</a:t>
+              <a:t>7/24/2021</a:t>
             </a:fld>
             <a:endParaRPr lang="en-US"/>
           </a:p>
@@ -3199,7 +3288,7 @@
           <a:p>
             <a:fld id="{2643D55F-46AB-4791-9172-4FA8DD3A6A9C}" type="datetimeFigureOut">
               <a:rPr lang="en-US" dirty="0"/>
-              <a:t>7/20/2021</a:t>
+              <a:t>7/24/2021</a:t>
             </a:fld>
             <a:endParaRPr lang="en-US"/>
           </a:p>
@@ -3367,7 +3456,7 @@
           <a:p>
             <a:fld id="{58026881-8A08-449C-8D73-E5F201F814C1}" type="datetimeFigureOut">
               <a:rPr lang="en-US" dirty="0"/>
-              <a:t>7/20/2021</a:t>
+              <a:t>7/24/2021</a:t>
             </a:fld>
             <a:endParaRPr lang="en-US"/>
           </a:p>
@@ -3657,7 +3746,7 @@
           <a:p>
             <a:fld id="{1BEB5A5E-0C07-4E93-A112-D37B4D166B30}" type="datetimeFigureOut">
               <a:rPr lang="en-US" dirty="0"/>
-              <a:t>7/20/2021</a:t>
+              <a:t>7/24/2021</a:t>
             </a:fld>
             <a:endParaRPr lang="en-US"/>
           </a:p>
@@ -3980,7 +4069,7 @@
           <a:p>
             <a:fld id="{9E1F71C5-DC57-4358-A1EA-30C08AF6E3C5}" type="datetimeFigureOut">
               <a:rPr lang="en-US" dirty="0"/>
-              <a:t>7/20/2021</a:t>
+              <a:t>7/24/2021</a:t>
             </a:fld>
             <a:endParaRPr lang="en-US"/>
           </a:p>
@@ -4389,7 +4478,7 @@
           <a:p>
             <a:fld id="{12571DBA-DE60-4731-B773-47AAA185C143}" type="datetimeFigureOut">
               <a:rPr lang="en-US" dirty="0"/>
-              <a:t>7/20/2021</a:t>
+              <a:t>7/24/2021</a:t>
             </a:fld>
             <a:endParaRPr lang="en-US"/>
           </a:p>
@@ -4506,7 +4595,7 @@
           <a:p>
             <a:fld id="{4F170639-886C-4FCF-9EAB-ABB5DA3F3F4A}" type="datetimeFigureOut">
               <a:rPr lang="en-US" dirty="0"/>
-              <a:t>7/20/2021</a:t>
+              <a:t>7/24/2021</a:t>
             </a:fld>
             <a:endParaRPr lang="en-US"/>
           </a:p>
@@ -4601,7 +4690,7 @@
           <a:p>
             <a:fld id="{34C4A628-C83B-4C66-83F4-1711CE3738FD}" type="datetimeFigureOut">
               <a:rPr lang="en-US" dirty="0"/>
-              <a:t>7/20/2021</a:t>
+              <a:t>7/24/2021</a:t>
             </a:fld>
             <a:endParaRPr lang="en-US"/>
           </a:p>
@@ -4886,7 +4975,7 @@
           <a:p>
             <a:fld id="{B88C1D73-9400-43CA-A37F-F9B7D00DE14C}" type="datetimeFigureOut">
               <a:rPr lang="en-US" dirty="0"/>
-              <a:t>7/20/2021</a:t>
+              <a:t>7/24/2021</a:t>
             </a:fld>
             <a:endParaRPr lang="en-US"/>
           </a:p>
@@ -5158,7 +5247,7 @@
           <a:p>
             <a:fld id="{188B7711-B905-4633-B4D7-6F3A49A2E7D9}" type="datetimeFigureOut">
               <a:rPr lang="en-US" dirty="0"/>
-              <a:t>7/20/2021</a:t>
+              <a:t>7/24/2021</a:t>
             </a:fld>
             <a:endParaRPr lang="en-US"/>
           </a:p>
@@ -5408,7 +5497,7 @@
             <a:fld id="{89C235CF-BDA2-4E7E-8BBD-350479985E74}" type="datetimeFigureOut">
               <a:rPr lang="en-US" dirty="0"/>
               <a:pPr/>
-              <a:t>7/20/2021</a:t>
+              <a:t>7/24/2021</a:t>
             </a:fld>
             <a:endParaRPr lang="en-US"/>
           </a:p>
@@ -5952,6 +6041,106 @@
 </p:sld>
 </file>
 
+<file path=ppt/slides/slide10.xml><?xml version="1.0" encoding="utf-8"?>
+<p:sld xmlns:a="http://schemas.openxmlformats.org/drawingml/2006/main" xmlns:r="http://schemas.openxmlformats.org/officeDocument/2006/relationships" xmlns:p="http://schemas.openxmlformats.org/presentationml/2006/main">
+  <p:cSld>
+    <p:spTree>
+      <p:nvGrpSpPr>
+        <p:cNvPr id="1" name=""/>
+        <p:cNvGrpSpPr/>
+        <p:nvPr/>
+      </p:nvGrpSpPr>
+      <p:grpSpPr>
+        <a:xfrm>
+          <a:off x="0" y="0"/>
+          <a:ext cx="0" cy="0"/>
+          <a:chOff x="0" y="0"/>
+          <a:chExt cx="0" cy="0"/>
+        </a:xfrm>
+      </p:grpSpPr>
+      <p:sp>
+        <p:nvSpPr>
+          <p:cNvPr id="2" name="Title 1">
+            <a:extLst>
+              <a:ext uri="{FF2B5EF4-FFF2-40B4-BE49-F238E27FC236}">
+                <a16:creationId xmlns:a16="http://schemas.microsoft.com/office/drawing/2014/main" id="{1E4C2A9E-C0F4-4E0F-AFFE-27A0CF3625B5}"/>
+              </a:ext>
+            </a:extLst>
+          </p:cNvPr>
+          <p:cNvSpPr>
+            <a:spLocks noGrp="1"/>
+          </p:cNvSpPr>
+          <p:nvPr>
+            <p:ph type="title"/>
+          </p:nvPr>
+        </p:nvSpPr>
+        <p:spPr/>
+        <p:txBody>
+          <a:bodyPr/>
+          <a:lstStyle/>
+          <a:p>
+            <a:r>
+              <a:rPr lang="en-US"/>
+              <a:t>Week 23 </a:t>
+            </a:r>
+            <a:r>
+              <a:rPr lang="en-US" dirty="0"/>
+              <a:t>Group Exercise</a:t>
+            </a:r>
+          </a:p>
+        </p:txBody>
+      </p:sp>
+      <p:sp>
+        <p:nvSpPr>
+          <p:cNvPr id="3" name="Content Placeholder 2">
+            <a:extLst>
+              <a:ext uri="{FF2B5EF4-FFF2-40B4-BE49-F238E27FC236}">
+                <a16:creationId xmlns:a16="http://schemas.microsoft.com/office/drawing/2014/main" id="{D327E97E-AE1B-400B-A18F-C9C7C854DCEB}"/>
+              </a:ext>
+            </a:extLst>
+          </p:cNvPr>
+          <p:cNvSpPr>
+            <a:spLocks noGrp="1"/>
+          </p:cNvSpPr>
+          <p:nvPr>
+            <p:ph idx="1"/>
+          </p:nvPr>
+        </p:nvSpPr>
+        <p:spPr/>
+        <p:txBody>
+          <a:bodyPr vert="horz" lIns="91440" tIns="45720" rIns="91440" bIns="45720" rtlCol="0" anchor="t">
+            <a:normAutofit/>
+          </a:bodyPr>
+          <a:lstStyle/>
+          <a:p>
+            <a:r>
+              <a:rPr lang="en-US" spc="0" dirty="0"/>
+              <a:t>Once you finish and have submitted your exercise in Canvas via a </a:t>
+            </a:r>
+            <a:r>
+              <a:rPr lang="en-US" spc="0" dirty="0" err="1"/>
+              <a:t>github</a:t>
+            </a:r>
+            <a:r>
+              <a:rPr lang="en-US" spc="0" dirty="0"/>
+              <a:t> link, use the remaining time to work on your homework.</a:t>
+            </a:r>
+          </a:p>
+        </p:txBody>
+      </p:sp>
+    </p:spTree>
+    <p:extLst>
+      <p:ext uri="{BB962C8B-B14F-4D97-AF65-F5344CB8AC3E}">
+        <p14:creationId xmlns:p14="http://schemas.microsoft.com/office/powerpoint/2010/main" val="656484464"/>
+      </p:ext>
+    </p:extLst>
+  </p:cSld>
+  <p:clrMapOvr>
+    <a:masterClrMapping/>
+  </p:clrMapOvr>
+</p:sld>
+</file>
+
 <file path=ppt/slides/slide2.xml><?xml version="1.0" encoding="utf-8"?>
 <p:sld xmlns:a="http://schemas.openxmlformats.org/drawingml/2006/main" xmlns:r="http://schemas.openxmlformats.org/officeDocument/2006/relationships" xmlns:p="http://schemas.openxmlformats.org/presentationml/2006/main">
   <p:cSld>
@@ -6147,7 +6336,7 @@
           <a:p>
             <a:r>
               <a:rPr lang="en-US" dirty="0"/>
-              <a:t>Document DB vs Relational reading (15 mins)</a:t>
+              <a:t>NoSQL DBs Reading (15 mins)</a:t>
             </a:r>
           </a:p>
           <a:p>
@@ -6511,7 +6700,7 @@
             </a:pPr>
             <a:r>
               <a:rPr lang="en-US" dirty="0"/>
-              <a:t>What is the shortcut to open dev tools and highlight the element you want to scrape? Try it! Does it work for you?</a:t>
+              <a:t>Why is MongoDB considered to be a non-relational database? What does it mean for a database to be “non-relational”? How does that differ from “relational” databases?</a:t>
             </a:r>
           </a:p>
           <a:p>
@@ -6520,7 +6709,7 @@
             </a:pPr>
             <a:r>
               <a:rPr lang="en-US" dirty="0"/>
-              <a:t>What do you do if an element you want to scrape takes time to load on the page?</a:t>
+              <a:t>What are the four types of NoSQL databases? What type is MongoDB? How does that type work?</a:t>
             </a:r>
           </a:p>
         </p:txBody>
@@ -6541,6 +6730,14 @@
 <file path=ppt/slides/slide6.xml><?xml version="1.0" encoding="utf-8"?>
 <p:sld xmlns:a="http://schemas.openxmlformats.org/drawingml/2006/main" xmlns:r="http://schemas.openxmlformats.org/officeDocument/2006/relationships" xmlns:p="http://schemas.openxmlformats.org/presentationml/2006/main">
   <p:cSld>
+    <p:bg>
+      <p:bgPr>
+        <a:solidFill>
+          <a:schemeClr val="bg1"/>
+        </a:solidFill>
+        <a:effectLst/>
+      </p:bgPr>
+    </p:bg>
     <p:spTree>
       <p:nvGrpSpPr>
         <p:cNvPr id="1" name=""/>
@@ -6557,6 +6754,505 @@
       </p:grpSpPr>
       <p:sp>
         <p:nvSpPr>
+          <p:cNvPr id="73" name="Rectangle 72">
+            <a:extLst>
+              <a:ext uri="{FF2B5EF4-FFF2-40B4-BE49-F238E27FC236}">
+                <a16:creationId xmlns:a16="http://schemas.microsoft.com/office/drawing/2014/main" id="{489AE6DA-A080-475C-BE02-EF343FBA6E55}"/>
+              </a:ext>
+              <a:ext uri="{C183D7F6-B498-43B3-948B-1728B52AA6E4}">
+                <adec:decorative xmlns:adec="http://schemas.microsoft.com/office/drawing/2017/decorative" val="1"/>
+              </a:ext>
+            </a:extLst>
+          </p:cNvPr>
+          <p:cNvSpPr>
+            <a:spLocks noGrp="1" noRot="1" noChangeAspect="1" noMove="1" noResize="1" noEditPoints="1" noAdjustHandles="1" noChangeArrowheads="1" noChangeShapeType="1" noTextEdit="1"/>
+          </p:cNvSpPr>
+          <p:nvPr>
+            <p:extLst>
+              <p:ext uri="{386F3935-93C4-4BCD-93E2-E3B085C9AB24}">
+                <p16:designElem xmlns:p16="http://schemas.microsoft.com/office/powerpoint/2015/main" val="1"/>
+              </p:ext>
+            </p:extLst>
+          </p:nvPr>
+        </p:nvSpPr>
+        <p:spPr>
+          <a:xfrm>
+            <a:off x="11292840" y="0"/>
+            <a:ext cx="914400" cy="6858000"/>
+          </a:xfrm>
+          <a:prstGeom prst="rect">
+            <a:avLst/>
+          </a:prstGeom>
+          <a:solidFill>
+            <a:schemeClr val="tx2">
+              <a:lumMod val="75000"/>
+            </a:schemeClr>
+          </a:solidFill>
+          <a:ln>
+            <a:noFill/>
+          </a:ln>
+        </p:spPr>
+        <p:style>
+          <a:lnRef idx="2">
+            <a:schemeClr val="accent1">
+              <a:shade val="50000"/>
+            </a:schemeClr>
+          </a:lnRef>
+          <a:fillRef idx="1">
+            <a:schemeClr val="accent1"/>
+          </a:fillRef>
+          <a:effectRef idx="0">
+            <a:schemeClr val="accent1"/>
+          </a:effectRef>
+          <a:fontRef idx="minor">
+            <a:schemeClr val="lt1"/>
+          </a:fontRef>
+        </p:style>
+      </p:sp>
+      <p:sp>
+        <p:nvSpPr>
+          <p:cNvPr id="75" name="Rectangle 74">
+            <a:extLst>
+              <a:ext uri="{FF2B5EF4-FFF2-40B4-BE49-F238E27FC236}">
+                <a16:creationId xmlns:a16="http://schemas.microsoft.com/office/drawing/2014/main" id="{AB33EF95-E91B-40C4-A692-E9106529168C}"/>
+              </a:ext>
+              <a:ext uri="{C183D7F6-B498-43B3-948B-1728B52AA6E4}">
+                <adec:decorative xmlns:adec="http://schemas.microsoft.com/office/drawing/2017/decorative" val="1"/>
+              </a:ext>
+            </a:extLst>
+          </p:cNvPr>
+          <p:cNvSpPr>
+            <a:spLocks noGrp="1" noRot="1" noChangeAspect="1" noMove="1" noResize="1" noEditPoints="1" noAdjustHandles="1" noChangeArrowheads="1" noChangeShapeType="1" noTextEdit="1"/>
+          </p:cNvSpPr>
+          <p:nvPr>
+            <p:extLst>
+              <p:ext uri="{386F3935-93C4-4BCD-93E2-E3B085C9AB24}">
+                <p16:designElem xmlns:p16="http://schemas.microsoft.com/office/powerpoint/2015/main" val="1"/>
+              </p:ext>
+            </p:extLst>
+          </p:nvPr>
+        </p:nvSpPr>
+        <p:spPr>
+          <a:xfrm>
+            <a:off x="0" y="0"/>
+            <a:ext cx="12192000" cy="6858000"/>
+          </a:xfrm>
+          <a:prstGeom prst="rect">
+            <a:avLst/>
+          </a:prstGeom>
+          <a:solidFill>
+            <a:schemeClr val="tx1">
+              <a:lumMod val="65000"/>
+              <a:lumOff val="35000"/>
+            </a:schemeClr>
+          </a:solidFill>
+          <a:ln>
+            <a:noFill/>
+          </a:ln>
+        </p:spPr>
+        <p:style>
+          <a:lnRef idx="2">
+            <a:schemeClr val="accent1">
+              <a:shade val="50000"/>
+            </a:schemeClr>
+          </a:lnRef>
+          <a:fillRef idx="1">
+            <a:schemeClr val="accent1"/>
+          </a:fillRef>
+          <a:effectRef idx="0">
+            <a:schemeClr val="accent1"/>
+          </a:effectRef>
+          <a:fontRef idx="minor">
+            <a:schemeClr val="lt1"/>
+          </a:fontRef>
+        </p:style>
+        <p:txBody>
+          <a:bodyPr rtlCol="0" anchor="ctr"/>
+          <a:lstStyle/>
+          <a:p>
+            <a:pPr algn="ctr"/>
+            <a:endParaRPr lang="en-US"/>
+          </a:p>
+        </p:txBody>
+      </p:sp>
+      <p:sp useBgFill="1">
+        <p:nvSpPr>
+          <p:cNvPr id="77" name="Rectangle 76">
+            <a:extLst>
+              <a:ext uri="{FF2B5EF4-FFF2-40B4-BE49-F238E27FC236}">
+                <a16:creationId xmlns:a16="http://schemas.microsoft.com/office/drawing/2014/main" id="{953CAC5D-D424-4EE2-A0C2-72ED7A88AA4B}"/>
+              </a:ext>
+              <a:ext uri="{C183D7F6-B498-43B3-948B-1728B52AA6E4}">
+                <adec:decorative xmlns:adec="http://schemas.microsoft.com/office/drawing/2017/decorative" val="1"/>
+              </a:ext>
+            </a:extLst>
+          </p:cNvPr>
+          <p:cNvSpPr>
+            <a:spLocks noGrp="1" noRot="1" noChangeAspect="1" noMove="1" noResize="1" noEditPoints="1" noAdjustHandles="1" noChangeArrowheads="1" noChangeShapeType="1" noTextEdit="1"/>
+          </p:cNvSpPr>
+          <p:nvPr>
+            <p:extLst>
+              <p:ext uri="{386F3935-93C4-4BCD-93E2-E3B085C9AB24}">
+                <p16:designElem xmlns:p16="http://schemas.microsoft.com/office/powerpoint/2015/main" val="1"/>
+              </p:ext>
+            </p:extLst>
+          </p:nvPr>
+        </p:nvSpPr>
+        <p:spPr>
+          <a:xfrm>
+            <a:off x="477012" y="480060"/>
+            <a:ext cx="11236568" cy="5897880"/>
+          </a:xfrm>
+          <a:prstGeom prst="rect">
+            <a:avLst/>
+          </a:prstGeom>
+          <a:ln>
+            <a:noFill/>
+          </a:ln>
+        </p:spPr>
+        <p:style>
+          <a:lnRef idx="2">
+            <a:schemeClr val="accent1">
+              <a:shade val="50000"/>
+            </a:schemeClr>
+          </a:lnRef>
+          <a:fillRef idx="1">
+            <a:schemeClr val="accent1"/>
+          </a:fillRef>
+          <a:effectRef idx="0">
+            <a:schemeClr val="accent1"/>
+          </a:effectRef>
+          <a:fontRef idx="minor">
+            <a:schemeClr val="lt1"/>
+          </a:fontRef>
+        </p:style>
+        <p:txBody>
+          <a:bodyPr rtlCol="0" anchor="ctr"/>
+          <a:lstStyle/>
+          <a:p>
+            <a:pPr algn="ctr"/>
+            <a:endParaRPr lang="en-US"/>
+          </a:p>
+        </p:txBody>
+      </p:sp>
+      <p:pic>
+        <p:nvPicPr>
+          <p:cNvPr id="1028" name="Picture 4" descr="Format mapping relational database_to_MongoDB">
+            <a:extLst>
+              <a:ext uri="{FF2B5EF4-FFF2-40B4-BE49-F238E27FC236}">
+                <a16:creationId xmlns:a16="http://schemas.microsoft.com/office/drawing/2014/main" id="{9F9182FB-63E2-40F8-85C8-410A1590F1AA}"/>
+              </a:ext>
+            </a:extLst>
+          </p:cNvPr>
+          <p:cNvPicPr>
+            <a:picLocks noChangeAspect="1" noChangeArrowheads="1"/>
+          </p:cNvPicPr>
+          <p:nvPr/>
+        </p:nvPicPr>
+        <p:blipFill>
+          <a:blip r:embed="rId3">
+            <a:extLst>
+              <a:ext uri="{28A0092B-C50C-407E-A947-70E740481C1C}">
+                <a14:useLocalDpi xmlns:a14="http://schemas.microsoft.com/office/drawing/2010/main" val="0"/>
+              </a:ext>
+            </a:extLst>
+          </a:blip>
+          <a:stretch>
+            <a:fillRect/>
+          </a:stretch>
+        </p:blipFill>
+        <p:spPr bwMode="auto">
+          <a:xfrm>
+            <a:off x="643467" y="1569154"/>
+            <a:ext cx="5371395" cy="3719691"/>
+          </a:xfrm>
+          <a:prstGeom prst="rect">
+            <a:avLst/>
+          </a:prstGeom>
+          <a:noFill/>
+          <a:extLst>
+            <a:ext uri="{909E8E84-426E-40DD-AFC4-6F175D3DCCD1}">
+              <a14:hiddenFill xmlns:a14="http://schemas.microsoft.com/office/drawing/2010/main">
+                <a:solidFill>
+                  <a:srgbClr val="FFFFFF"/>
+                </a:solidFill>
+              </a14:hiddenFill>
+            </a:ext>
+          </a:extLst>
+        </p:spPr>
+      </p:pic>
+      <p:pic>
+        <p:nvPicPr>
+          <p:cNvPr id="1026" name="Picture 2" descr="RDBMS MongoDB Mapping">
+            <a:extLst>
+              <a:ext uri="{FF2B5EF4-FFF2-40B4-BE49-F238E27FC236}">
+                <a16:creationId xmlns:a16="http://schemas.microsoft.com/office/drawing/2014/main" id="{0E0909E3-19B6-453C-A42F-6870AEA3EDCF}"/>
+              </a:ext>
+            </a:extLst>
+          </p:cNvPr>
+          <p:cNvPicPr>
+            <a:picLocks noChangeAspect="1" noChangeArrowheads="1"/>
+          </p:cNvPicPr>
+          <p:nvPr/>
+        </p:nvPicPr>
+        <p:blipFill>
+          <a:blip r:embed="rId4">
+            <a:extLst>
+              <a:ext uri="{28A0092B-C50C-407E-A947-70E740481C1C}">
+                <a14:useLocalDpi xmlns:a14="http://schemas.microsoft.com/office/drawing/2010/main" val="0"/>
+              </a:ext>
+            </a:extLst>
+          </a:blip>
+          <a:stretch>
+            <a:fillRect/>
+          </a:stretch>
+        </p:blipFill>
+        <p:spPr bwMode="auto">
+          <a:xfrm>
+            <a:off x="6175729" y="1633757"/>
+            <a:ext cx="5371395" cy="3585406"/>
+          </a:xfrm>
+          <a:prstGeom prst="rect">
+            <a:avLst/>
+          </a:prstGeom>
+          <a:noFill/>
+          <a:extLst>
+            <a:ext uri="{909E8E84-426E-40DD-AFC4-6F175D3DCCD1}">
+              <a14:hiddenFill xmlns:a14="http://schemas.microsoft.com/office/drawing/2010/main">
+                <a:solidFill>
+                  <a:srgbClr val="FFFFFF"/>
+                </a:solidFill>
+              </a14:hiddenFill>
+            </a:ext>
+          </a:extLst>
+        </p:spPr>
+      </p:pic>
+    </p:spTree>
+    <p:extLst>
+      <p:ext uri="{BB962C8B-B14F-4D97-AF65-F5344CB8AC3E}">
+        <p14:creationId xmlns:p14="http://schemas.microsoft.com/office/powerpoint/2010/main" val="59260320"/>
+      </p:ext>
+    </p:extLst>
+  </p:cSld>
+  <p:clrMapOvr>
+    <a:masterClrMapping/>
+  </p:clrMapOvr>
+</p:sld>
+</file>
+
+<file path=ppt/slides/slide7.xml><?xml version="1.0" encoding="utf-8"?>
+<p:sld xmlns:a="http://schemas.openxmlformats.org/drawingml/2006/main" xmlns:r="http://schemas.openxmlformats.org/officeDocument/2006/relationships" xmlns:p="http://schemas.openxmlformats.org/presentationml/2006/main">
+  <p:cSld>
+    <p:spTree>
+      <p:nvGrpSpPr>
+        <p:cNvPr id="1" name=""/>
+        <p:cNvGrpSpPr/>
+        <p:nvPr/>
+      </p:nvGrpSpPr>
+      <p:grpSpPr>
+        <a:xfrm>
+          <a:off x="0" y="0"/>
+          <a:ext cx="0" cy="0"/>
+          <a:chOff x="0" y="0"/>
+          <a:chExt cx="0" cy="0"/>
+        </a:xfrm>
+      </p:grpSpPr>
+      <p:sp>
+        <p:nvSpPr>
+          <p:cNvPr id="2" name="Title 1">
+            <a:extLst>
+              <a:ext uri="{FF2B5EF4-FFF2-40B4-BE49-F238E27FC236}">
+                <a16:creationId xmlns:a16="http://schemas.microsoft.com/office/drawing/2014/main" id="{79360F4E-2A7A-49EE-A245-D8003062DA7E}"/>
+              </a:ext>
+            </a:extLst>
+          </p:cNvPr>
+          <p:cNvSpPr>
+            <a:spLocks noGrp="1"/>
+          </p:cNvSpPr>
+          <p:nvPr>
+            <p:ph type="title"/>
+          </p:nvPr>
+        </p:nvSpPr>
+        <p:spPr/>
+        <p:txBody>
+          <a:bodyPr/>
+          <a:lstStyle/>
+          <a:p>
+            <a:r>
+              <a:rPr lang="en-US" dirty="0"/>
+              <a:t>ACID vs CAP</a:t>
+            </a:r>
+          </a:p>
+        </p:txBody>
+      </p:sp>
+      <p:sp>
+        <p:nvSpPr>
+          <p:cNvPr id="4" name="Text Placeholder 3">
+            <a:extLst>
+              <a:ext uri="{FF2B5EF4-FFF2-40B4-BE49-F238E27FC236}">
+                <a16:creationId xmlns:a16="http://schemas.microsoft.com/office/drawing/2014/main" id="{7CDFDE20-50AF-4194-9B4F-A9DCD4CFDCD2}"/>
+              </a:ext>
+            </a:extLst>
+          </p:cNvPr>
+          <p:cNvSpPr>
+            <a:spLocks noGrp="1"/>
+          </p:cNvSpPr>
+          <p:nvPr>
+            <p:ph type="body" idx="1"/>
+          </p:nvPr>
+        </p:nvSpPr>
+        <p:spPr/>
+        <p:txBody>
+          <a:bodyPr/>
+          <a:lstStyle/>
+          <a:p>
+            <a:r>
+              <a:rPr lang="en-US" dirty="0"/>
+              <a:t>ACID</a:t>
+            </a:r>
+          </a:p>
+        </p:txBody>
+      </p:sp>
+      <p:sp>
+        <p:nvSpPr>
+          <p:cNvPr id="5" name="Content Placeholder 4">
+            <a:extLst>
+              <a:ext uri="{FF2B5EF4-FFF2-40B4-BE49-F238E27FC236}">
+                <a16:creationId xmlns:a16="http://schemas.microsoft.com/office/drawing/2014/main" id="{A41B349C-958D-4A15-9D38-7C0768FF7EC0}"/>
+              </a:ext>
+            </a:extLst>
+          </p:cNvPr>
+          <p:cNvSpPr>
+            <a:spLocks noGrp="1"/>
+          </p:cNvSpPr>
+          <p:nvPr>
+            <p:ph sz="half" idx="2"/>
+          </p:nvPr>
+        </p:nvSpPr>
+        <p:spPr/>
+        <p:txBody>
+          <a:bodyPr/>
+          <a:lstStyle/>
+          <a:p>
+            <a:r>
+              <a:rPr lang="en-US" dirty="0"/>
+              <a:t>Guiding principles for SQL DBs</a:t>
+            </a:r>
+          </a:p>
+          <a:p>
+            <a:r>
+              <a:rPr lang="en-US" dirty="0"/>
+              <a:t>Atomicity, Consistency, Isolation, and Durability</a:t>
+            </a:r>
+          </a:p>
+          <a:p>
+            <a:r>
+              <a:rPr lang="en-US" dirty="0"/>
+              <a:t>Focused on reliability and consistency of data</a:t>
+            </a:r>
+          </a:p>
+        </p:txBody>
+      </p:sp>
+      <p:sp>
+        <p:nvSpPr>
+          <p:cNvPr id="7" name="Text Placeholder 6">
+            <a:extLst>
+              <a:ext uri="{FF2B5EF4-FFF2-40B4-BE49-F238E27FC236}">
+                <a16:creationId xmlns:a16="http://schemas.microsoft.com/office/drawing/2014/main" id="{1D4777B1-48D5-419E-BB4F-A34A03A739EC}"/>
+              </a:ext>
+            </a:extLst>
+          </p:cNvPr>
+          <p:cNvSpPr>
+            <a:spLocks noGrp="1"/>
+          </p:cNvSpPr>
+          <p:nvPr>
+            <p:ph type="body" sz="quarter" idx="13"/>
+          </p:nvPr>
+        </p:nvSpPr>
+        <p:spPr/>
+        <p:txBody>
+          <a:bodyPr/>
+          <a:lstStyle/>
+          <a:p>
+            <a:r>
+              <a:rPr lang="en-US" dirty="0"/>
+              <a:t>CAP</a:t>
+            </a:r>
+          </a:p>
+        </p:txBody>
+      </p:sp>
+      <p:sp>
+        <p:nvSpPr>
+          <p:cNvPr id="6" name="Content Placeholder 5">
+            <a:extLst>
+              <a:ext uri="{FF2B5EF4-FFF2-40B4-BE49-F238E27FC236}">
+                <a16:creationId xmlns:a16="http://schemas.microsoft.com/office/drawing/2014/main" id="{1CDF21A8-9F44-4349-9A5F-F11B77C558AF}"/>
+              </a:ext>
+            </a:extLst>
+          </p:cNvPr>
+          <p:cNvSpPr>
+            <a:spLocks noGrp="1"/>
+          </p:cNvSpPr>
+          <p:nvPr>
+            <p:ph sz="quarter" idx="4"/>
+          </p:nvPr>
+        </p:nvSpPr>
+        <p:spPr/>
+        <p:txBody>
+          <a:bodyPr/>
+          <a:lstStyle/>
+          <a:p>
+            <a:r>
+              <a:rPr lang="en-US" dirty="0"/>
+              <a:t>Guiding principles for NoSQL DBs</a:t>
+            </a:r>
+          </a:p>
+          <a:p>
+            <a:r>
+              <a:rPr lang="en-US" dirty="0"/>
+              <a:t>Consistency, Availability and Partition</a:t>
+            </a:r>
+          </a:p>
+          <a:p>
+            <a:r>
+              <a:rPr lang="en-US" dirty="0"/>
+              <a:t>Focused on high availability of data </a:t>
+            </a:r>
+          </a:p>
+        </p:txBody>
+      </p:sp>
+    </p:spTree>
+    <p:extLst>
+      <p:ext uri="{BB962C8B-B14F-4D97-AF65-F5344CB8AC3E}">
+        <p14:creationId xmlns:p14="http://schemas.microsoft.com/office/powerpoint/2010/main" val="1014026479"/>
+      </p:ext>
+    </p:extLst>
+  </p:cSld>
+  <p:clrMapOvr>
+    <a:masterClrMapping/>
+  </p:clrMapOvr>
+</p:sld>
+</file>
+
+<file path=ppt/slides/slide8.xml><?xml version="1.0" encoding="utf-8"?>
+<p:sld xmlns:a="http://schemas.openxmlformats.org/drawingml/2006/main" xmlns:r="http://schemas.openxmlformats.org/officeDocument/2006/relationships" xmlns:p="http://schemas.openxmlformats.org/presentationml/2006/main">
+  <p:cSld>
+    <p:spTree>
+      <p:nvGrpSpPr>
+        <p:cNvPr id="1" name=""/>
+        <p:cNvGrpSpPr/>
+        <p:nvPr/>
+      </p:nvGrpSpPr>
+      <p:grpSpPr>
+        <a:xfrm>
+          <a:off x="0" y="0"/>
+          <a:ext cx="0" cy="0"/>
+          <a:chOff x="0" y="0"/>
+          <a:chExt cx="0" cy="0"/>
+        </a:xfrm>
+      </p:grpSpPr>
+      <p:sp>
+        <p:nvSpPr>
           <p:cNvPr id="4" name="Title 3">
             <a:extLst>
               <a:ext uri="{FF2B5EF4-FFF2-40B4-BE49-F238E27FC236}">
@@ -6655,7 +7351,7 @@
 </p:sld>
 </file>
 
-<file path=ppt/slides/slide7.xml><?xml version="1.0" encoding="utf-8"?>
+<file path=ppt/slides/slide9.xml><?xml version="1.0" encoding="utf-8"?>
 <p:sld xmlns:a="http://schemas.openxmlformats.org/drawingml/2006/main" xmlns:r="http://schemas.openxmlformats.org/officeDocument/2006/relationships" xmlns:p="http://schemas.openxmlformats.org/presentationml/2006/main">
   <p:cSld>
     <p:bg>
@@ -6863,106 +7559,6 @@
     <p:extLst>
       <p:ext uri="{BB962C8B-B14F-4D97-AF65-F5344CB8AC3E}">
         <p14:creationId xmlns:p14="http://schemas.microsoft.com/office/powerpoint/2010/main" val="485860335"/>
-      </p:ext>
-    </p:extLst>
-  </p:cSld>
-  <p:clrMapOvr>
-    <a:masterClrMapping/>
-  </p:clrMapOvr>
-</p:sld>
-</file>
-
-<file path=ppt/slides/slide8.xml><?xml version="1.0" encoding="utf-8"?>
-<p:sld xmlns:a="http://schemas.openxmlformats.org/drawingml/2006/main" xmlns:r="http://schemas.openxmlformats.org/officeDocument/2006/relationships" xmlns:p="http://schemas.openxmlformats.org/presentationml/2006/main">
-  <p:cSld>
-    <p:spTree>
-      <p:nvGrpSpPr>
-        <p:cNvPr id="1" name=""/>
-        <p:cNvGrpSpPr/>
-        <p:nvPr/>
-      </p:nvGrpSpPr>
-      <p:grpSpPr>
-        <a:xfrm>
-          <a:off x="0" y="0"/>
-          <a:ext cx="0" cy="0"/>
-          <a:chOff x="0" y="0"/>
-          <a:chExt cx="0" cy="0"/>
-        </a:xfrm>
-      </p:grpSpPr>
-      <p:sp>
-        <p:nvSpPr>
-          <p:cNvPr id="2" name="Title 1">
-            <a:extLst>
-              <a:ext uri="{FF2B5EF4-FFF2-40B4-BE49-F238E27FC236}">
-                <a16:creationId xmlns:a16="http://schemas.microsoft.com/office/drawing/2014/main" id="{1E4C2A9E-C0F4-4E0F-AFFE-27A0CF3625B5}"/>
-              </a:ext>
-            </a:extLst>
-          </p:cNvPr>
-          <p:cNvSpPr>
-            <a:spLocks noGrp="1"/>
-          </p:cNvSpPr>
-          <p:nvPr>
-            <p:ph type="title"/>
-          </p:nvPr>
-        </p:nvSpPr>
-        <p:spPr/>
-        <p:txBody>
-          <a:bodyPr/>
-          <a:lstStyle/>
-          <a:p>
-            <a:r>
-              <a:rPr lang="en-US"/>
-              <a:t>Week 23 </a:t>
-            </a:r>
-            <a:r>
-              <a:rPr lang="en-US" dirty="0"/>
-              <a:t>Group Exercise</a:t>
-            </a:r>
-          </a:p>
-        </p:txBody>
-      </p:sp>
-      <p:sp>
-        <p:nvSpPr>
-          <p:cNvPr id="3" name="Content Placeholder 2">
-            <a:extLst>
-              <a:ext uri="{FF2B5EF4-FFF2-40B4-BE49-F238E27FC236}">
-                <a16:creationId xmlns:a16="http://schemas.microsoft.com/office/drawing/2014/main" id="{D327E97E-AE1B-400B-A18F-C9C7C854DCEB}"/>
-              </a:ext>
-            </a:extLst>
-          </p:cNvPr>
-          <p:cNvSpPr>
-            <a:spLocks noGrp="1"/>
-          </p:cNvSpPr>
-          <p:nvPr>
-            <p:ph idx="1"/>
-          </p:nvPr>
-        </p:nvSpPr>
-        <p:spPr/>
-        <p:txBody>
-          <a:bodyPr vert="horz" lIns="91440" tIns="45720" rIns="91440" bIns="45720" rtlCol="0" anchor="t">
-            <a:normAutofit/>
-          </a:bodyPr>
-          <a:lstStyle/>
-          <a:p>
-            <a:r>
-              <a:rPr lang="en-US" spc="0" dirty="0"/>
-              <a:t>Once you finish and have submitted your exercise in Canvas via a </a:t>
-            </a:r>
-            <a:r>
-              <a:rPr lang="en-US" spc="0" dirty="0" err="1"/>
-              <a:t>github</a:t>
-            </a:r>
-            <a:r>
-              <a:rPr lang="en-US" spc="0" dirty="0"/>
-              <a:t> link, use the remaining time to work on your homework.</a:t>
-            </a:r>
-          </a:p>
-        </p:txBody>
-      </p:sp>
-    </p:spTree>
-    <p:extLst>
-      <p:ext uri="{BB962C8B-B14F-4D97-AF65-F5344CB8AC3E}">
-        <p14:creationId xmlns:p14="http://schemas.microsoft.com/office/powerpoint/2010/main" val="656484464"/>
       </p:ext>
     </p:extLst>
   </p:cSld>

--- a/course_material/week_23/week_23_presentation.pptx
+++ b/course_material/week_23/week_23_presentation.pptx
@@ -1832,7 +1832,7 @@
           <a:p>
             <a:fld id="{5CF9EFDB-215C-4120-ADCB-EAD745B7163E}" type="datetimeFigureOut">
               <a:rPr lang="en-US" smtClean="0"/>
-              <a:t>7/24/2021</a:t>
+              <a:t>8/3/2021</a:t>
             </a:fld>
             <a:endParaRPr lang="en-US"/>
           </a:p>
@@ -2887,7 +2887,7 @@
           <a:p>
             <a:fld id="{ACF1A1B0-862D-4909-A7DB-D8ADA062DFCA}" type="datetimeFigureOut">
               <a:rPr lang="en-US" dirty="0"/>
-              <a:t>7/24/2021</a:t>
+              <a:t>8/3/2021</a:t>
             </a:fld>
             <a:endParaRPr lang="en-US"/>
           </a:p>
@@ -3110,7 +3110,7 @@
           <a:p>
             <a:fld id="{7B156144-9CB7-4E3A-B87E-A382F9BE05EF}" type="datetimeFigureOut">
               <a:rPr lang="en-US" dirty="0"/>
-              <a:t>7/24/2021</a:t>
+              <a:t>8/3/2021</a:t>
             </a:fld>
             <a:endParaRPr lang="en-US"/>
           </a:p>
@@ -3288,7 +3288,7 @@
           <a:p>
             <a:fld id="{2643D55F-46AB-4791-9172-4FA8DD3A6A9C}" type="datetimeFigureOut">
               <a:rPr lang="en-US" dirty="0"/>
-              <a:t>7/24/2021</a:t>
+              <a:t>8/3/2021</a:t>
             </a:fld>
             <a:endParaRPr lang="en-US"/>
           </a:p>
@@ -3456,7 +3456,7 @@
           <a:p>
             <a:fld id="{58026881-8A08-449C-8D73-E5F201F814C1}" type="datetimeFigureOut">
               <a:rPr lang="en-US" dirty="0"/>
-              <a:t>7/24/2021</a:t>
+              <a:t>8/3/2021</a:t>
             </a:fld>
             <a:endParaRPr lang="en-US"/>
           </a:p>
@@ -3746,7 +3746,7 @@
           <a:p>
             <a:fld id="{1BEB5A5E-0C07-4E93-A112-D37B4D166B30}" type="datetimeFigureOut">
               <a:rPr lang="en-US" dirty="0"/>
-              <a:t>7/24/2021</a:t>
+              <a:t>8/3/2021</a:t>
             </a:fld>
             <a:endParaRPr lang="en-US"/>
           </a:p>
@@ -4069,7 +4069,7 @@
           <a:p>
             <a:fld id="{9E1F71C5-DC57-4358-A1EA-30C08AF6E3C5}" type="datetimeFigureOut">
               <a:rPr lang="en-US" dirty="0"/>
-              <a:t>7/24/2021</a:t>
+              <a:t>8/3/2021</a:t>
             </a:fld>
             <a:endParaRPr lang="en-US"/>
           </a:p>
@@ -4478,7 +4478,7 @@
           <a:p>
             <a:fld id="{12571DBA-DE60-4731-B773-47AAA185C143}" type="datetimeFigureOut">
               <a:rPr lang="en-US" dirty="0"/>
-              <a:t>7/24/2021</a:t>
+              <a:t>8/3/2021</a:t>
             </a:fld>
             <a:endParaRPr lang="en-US"/>
           </a:p>
@@ -4595,7 +4595,7 @@
           <a:p>
             <a:fld id="{4F170639-886C-4FCF-9EAB-ABB5DA3F3F4A}" type="datetimeFigureOut">
               <a:rPr lang="en-US" dirty="0"/>
-              <a:t>7/24/2021</a:t>
+              <a:t>8/3/2021</a:t>
             </a:fld>
             <a:endParaRPr lang="en-US"/>
           </a:p>
@@ -4690,7 +4690,7 @@
           <a:p>
             <a:fld id="{34C4A628-C83B-4C66-83F4-1711CE3738FD}" type="datetimeFigureOut">
               <a:rPr lang="en-US" dirty="0"/>
-              <a:t>7/24/2021</a:t>
+              <a:t>8/3/2021</a:t>
             </a:fld>
             <a:endParaRPr lang="en-US"/>
           </a:p>
@@ -4975,7 +4975,7 @@
           <a:p>
             <a:fld id="{B88C1D73-9400-43CA-A37F-F9B7D00DE14C}" type="datetimeFigureOut">
               <a:rPr lang="en-US" dirty="0"/>
-              <a:t>7/24/2021</a:t>
+              <a:t>8/3/2021</a:t>
             </a:fld>
             <a:endParaRPr lang="en-US"/>
           </a:p>
@@ -5247,7 +5247,7 @@
           <a:p>
             <a:fld id="{188B7711-B905-4633-B4D7-6F3A49A2E7D9}" type="datetimeFigureOut">
               <a:rPr lang="en-US" dirty="0"/>
-              <a:t>7/24/2021</a:t>
+              <a:t>8/3/2021</a:t>
             </a:fld>
             <a:endParaRPr lang="en-US"/>
           </a:p>
@@ -5497,7 +5497,7 @@
             <a:fld id="{89C235CF-BDA2-4E7E-8BBD-350479985E74}" type="datetimeFigureOut">
               <a:rPr lang="en-US" dirty="0"/>
               <a:pPr/>
-              <a:t>7/24/2021</a:t>
+              <a:t>8/3/2021</a:t>
             </a:fld>
             <a:endParaRPr lang="en-US"/>
           </a:p>
@@ -6212,12 +6212,15 @@
           <a:bodyPr/>
           <a:lstStyle/>
           <a:p>
-            <a:endParaRPr lang="en-US" dirty="0"/>
-          </a:p>
-          <a:p>
             <a:pPr marL="0" indent="0">
               <a:buNone/>
             </a:pPr>
+            <a:r>
+              <a:rPr lang="en-US" dirty="0"/>
+              <a:t>What is object-oriented programming? How have we used objects in this class? </a:t>
+            </a:r>
+          </a:p>
+          <a:p>
             <a:endParaRPr lang="en-US" dirty="0"/>
           </a:p>
           <a:p>
@@ -6227,6 +6230,14 @@
             <a:endParaRPr lang="en-US" dirty="0"/>
           </a:p>
           <a:p>
+            <a:r>
+              <a:rPr lang="en-US" dirty="0"/>
+              <a:t>What’s the </a:t>
+            </a:r>
+            <a:r>
+              <a:rPr lang="en-US"/>
+              <a:t>difference between a REST API and  CRUD API? </a:t>
+            </a:r>
             <a:endParaRPr lang="en-US" dirty="0"/>
           </a:p>
         </p:txBody>

--- a/course_material/week_23/week_23_presentation.pptx
+++ b/course_material/week_23/week_23_presentation.pptx
@@ -1833,7 +1833,7 @@
           <a:p>
             <a:fld id="{5CF9EFDB-215C-4120-ADCB-EAD745B7163E}" type="datetimeFigureOut">
               <a:rPr lang="en-US" smtClean="0"/>
-              <a:t>2/21/2022</a:t>
+              <a:t>3/2/2022</a:t>
             </a:fld>
             <a:endParaRPr lang="en-US"/>
           </a:p>
@@ -2249,7 +2249,7 @@
           <a:p>
             <a:fld id="{791F1524-C5FD-4370-8A10-5BE52A97A495}" type="slidenum">
               <a:rPr lang="en-US" smtClean="0"/>
-              <a:t>3</a:t>
+              <a:t>2</a:t>
             </a:fld>
             <a:endParaRPr lang="en-US"/>
           </a:p>
@@ -2258,7 +2258,7 @@
     </p:spTree>
     <p:extLst>
       <p:ext uri="{BB962C8B-B14F-4D97-AF65-F5344CB8AC3E}">
-        <p14:creationId xmlns:p14="http://schemas.microsoft.com/office/powerpoint/2010/main" val="2669578412"/>
+        <p14:creationId xmlns:p14="http://schemas.microsoft.com/office/powerpoint/2010/main" val="2071731887"/>
       </p:ext>
     </p:extLst>
   </p:cSld>
@@ -2333,7 +2333,7 @@
           <a:p>
             <a:fld id="{791F1524-C5FD-4370-8A10-5BE52A97A495}" type="slidenum">
               <a:rPr lang="en-US" smtClean="0"/>
-              <a:t>5</a:t>
+              <a:t>3</a:t>
             </a:fld>
             <a:endParaRPr lang="en-US"/>
           </a:p>
@@ -2342,7 +2342,7 @@
     </p:spTree>
     <p:extLst>
       <p:ext uri="{BB962C8B-B14F-4D97-AF65-F5344CB8AC3E}">
-        <p14:creationId xmlns:p14="http://schemas.microsoft.com/office/powerpoint/2010/main" val="3871265706"/>
+        <p14:creationId xmlns:p14="http://schemas.microsoft.com/office/powerpoint/2010/main" val="2669578412"/>
       </p:ext>
     </p:extLst>
   </p:cSld>
@@ -2396,10 +2396,7 @@
           <a:bodyPr/>
           <a:lstStyle/>
           <a:p>
-            <a:r>
-              <a:rPr lang="en-US" dirty="0"/>
-              <a:t>https://www.mongodb.com/nosql-explained </a:t>
-            </a:r>
+            <a:endParaRPr lang="en-US" dirty="0"/>
           </a:p>
         </p:txBody>
       </p:sp>
@@ -2420,7 +2417,7 @@
           <a:p>
             <a:fld id="{791F1524-C5FD-4370-8A10-5BE52A97A495}" type="slidenum">
               <a:rPr lang="en-US" smtClean="0"/>
-              <a:t>6</a:t>
+              <a:t>5</a:t>
             </a:fld>
             <a:endParaRPr lang="en-US"/>
           </a:p>
@@ -2429,7 +2426,7 @@
     </p:spTree>
     <p:extLst>
       <p:ext uri="{BB962C8B-B14F-4D97-AF65-F5344CB8AC3E}">
-        <p14:creationId xmlns:p14="http://schemas.microsoft.com/office/powerpoint/2010/main" val="2785161163"/>
+        <p14:creationId xmlns:p14="http://schemas.microsoft.com/office/powerpoint/2010/main" val="3871265706"/>
       </p:ext>
     </p:extLst>
   </p:cSld>
@@ -2485,7 +2482,7 @@
           <a:p>
             <a:r>
               <a:rPr lang="en-US" dirty="0"/>
-              <a:t>https://beginnersbook.com/2017/09/mapping-relational-databases-to-mongodb/</a:t>
+              <a:t>https://www.mongodb.com/nosql-explained </a:t>
             </a:r>
           </a:p>
         </p:txBody>
@@ -2507,7 +2504,7 @@
           <a:p>
             <a:fld id="{791F1524-C5FD-4370-8A10-5BE52A97A495}" type="slidenum">
               <a:rPr lang="en-US" smtClean="0"/>
-              <a:t>7</a:t>
+              <a:t>6</a:t>
             </a:fld>
             <a:endParaRPr lang="en-US"/>
           </a:p>
@@ -2516,7 +2513,7 @@
     </p:spTree>
     <p:extLst>
       <p:ext uri="{BB962C8B-B14F-4D97-AF65-F5344CB8AC3E}">
-        <p14:creationId xmlns:p14="http://schemas.microsoft.com/office/powerpoint/2010/main" val="2966963830"/>
+        <p14:creationId xmlns:p14="http://schemas.microsoft.com/office/powerpoint/2010/main" val="2785161163"/>
       </p:ext>
     </p:extLst>
   </p:cSld>
@@ -2570,6 +2567,93 @@
           <a:bodyPr/>
           <a:lstStyle/>
           <a:p>
+            <a:r>
+              <a:rPr lang="en-US" dirty="0"/>
+              <a:t>https://beginnersbook.com/2017/09/mapping-relational-databases-to-mongodb/</a:t>
+            </a:r>
+          </a:p>
+        </p:txBody>
+      </p:sp>
+      <p:sp>
+        <p:nvSpPr>
+          <p:cNvPr id="4" name="Slide Number Placeholder 3"/>
+          <p:cNvSpPr>
+            <a:spLocks noGrp="1"/>
+          </p:cNvSpPr>
+          <p:nvPr>
+            <p:ph type="sldNum" sz="quarter" idx="5"/>
+          </p:nvPr>
+        </p:nvSpPr>
+        <p:spPr/>
+        <p:txBody>
+          <a:bodyPr/>
+          <a:lstStyle/>
+          <a:p>
+            <a:fld id="{791F1524-C5FD-4370-8A10-5BE52A97A495}" type="slidenum">
+              <a:rPr lang="en-US" smtClean="0"/>
+              <a:t>7</a:t>
+            </a:fld>
+            <a:endParaRPr lang="en-US"/>
+          </a:p>
+        </p:txBody>
+      </p:sp>
+    </p:spTree>
+    <p:extLst>
+      <p:ext uri="{BB962C8B-B14F-4D97-AF65-F5344CB8AC3E}">
+        <p14:creationId xmlns:p14="http://schemas.microsoft.com/office/powerpoint/2010/main" val="2966963830"/>
+      </p:ext>
+    </p:extLst>
+  </p:cSld>
+  <p:clrMapOvr>
+    <a:masterClrMapping/>
+  </p:clrMapOvr>
+</p:notes>
+</file>
+
+<file path=ppt/notesSlides/notesSlide7.xml><?xml version="1.0" encoding="utf-8"?>
+<p:notes xmlns:a="http://schemas.openxmlformats.org/drawingml/2006/main" xmlns:r="http://schemas.openxmlformats.org/officeDocument/2006/relationships" xmlns:p="http://schemas.openxmlformats.org/presentationml/2006/main">
+  <p:cSld>
+    <p:spTree>
+      <p:nvGrpSpPr>
+        <p:cNvPr id="1" name=""/>
+        <p:cNvGrpSpPr/>
+        <p:nvPr/>
+      </p:nvGrpSpPr>
+      <p:grpSpPr>
+        <a:xfrm>
+          <a:off x="0" y="0"/>
+          <a:ext cx="0" cy="0"/>
+          <a:chOff x="0" y="0"/>
+          <a:chExt cx="0" cy="0"/>
+        </a:xfrm>
+      </p:grpSpPr>
+      <p:sp>
+        <p:nvSpPr>
+          <p:cNvPr id="2" name="Slide Image Placeholder 1"/>
+          <p:cNvSpPr>
+            <a:spLocks noGrp="1" noRot="1" noChangeAspect="1"/>
+          </p:cNvSpPr>
+          <p:nvPr>
+            <p:ph type="sldImg"/>
+          </p:nvPr>
+        </p:nvSpPr>
+        <p:spPr/>
+      </p:sp>
+      <p:sp>
+        <p:nvSpPr>
+          <p:cNvPr id="3" name="Notes Placeholder 2"/>
+          <p:cNvSpPr>
+            <a:spLocks noGrp="1"/>
+          </p:cNvSpPr>
+          <p:nvPr>
+            <p:ph type="body" idx="1"/>
+          </p:nvPr>
+        </p:nvSpPr>
+        <p:spPr/>
+        <p:txBody>
+          <a:bodyPr/>
+          <a:lstStyle/>
+          <a:p>
             <a:endParaRPr lang="en-US" dirty="0"/>
           </a:p>
         </p:txBody>
@@ -2610,7 +2694,7 @@
 </p:notes>
 </file>
 
-<file path=ppt/notesSlides/notesSlide7.xml><?xml version="1.0" encoding="utf-8"?>
+<file path=ppt/notesSlides/notesSlide8.xml><?xml version="1.0" encoding="utf-8"?>
 <p:notes xmlns:a="http://schemas.openxmlformats.org/drawingml/2006/main" xmlns:r="http://schemas.openxmlformats.org/officeDocument/2006/relationships" xmlns:p="http://schemas.openxmlformats.org/presentationml/2006/main">
   <p:cSld>
     <p:spTree>
@@ -2888,7 +2972,7 @@
           <a:p>
             <a:fld id="{ACF1A1B0-862D-4909-A7DB-D8ADA062DFCA}" type="datetimeFigureOut">
               <a:rPr lang="en-US" dirty="0"/>
-              <a:t>2/21/2022</a:t>
+              <a:t>3/2/2022</a:t>
             </a:fld>
             <a:endParaRPr lang="en-US"/>
           </a:p>
@@ -3111,7 +3195,7 @@
           <a:p>
             <a:fld id="{7B156144-9CB7-4E3A-B87E-A382F9BE05EF}" type="datetimeFigureOut">
               <a:rPr lang="en-US" dirty="0"/>
-              <a:t>2/21/2022</a:t>
+              <a:t>3/2/2022</a:t>
             </a:fld>
             <a:endParaRPr lang="en-US"/>
           </a:p>
@@ -3289,7 +3373,7 @@
           <a:p>
             <a:fld id="{2643D55F-46AB-4791-9172-4FA8DD3A6A9C}" type="datetimeFigureOut">
               <a:rPr lang="en-US" dirty="0"/>
-              <a:t>2/21/2022</a:t>
+              <a:t>3/2/2022</a:t>
             </a:fld>
             <a:endParaRPr lang="en-US"/>
           </a:p>
@@ -3457,7 +3541,7 @@
           <a:p>
             <a:fld id="{58026881-8A08-449C-8D73-E5F201F814C1}" type="datetimeFigureOut">
               <a:rPr lang="en-US" dirty="0"/>
-              <a:t>2/21/2022</a:t>
+              <a:t>3/2/2022</a:t>
             </a:fld>
             <a:endParaRPr lang="en-US"/>
           </a:p>
@@ -3747,7 +3831,7 @@
           <a:p>
             <a:fld id="{1BEB5A5E-0C07-4E93-A112-D37B4D166B30}" type="datetimeFigureOut">
               <a:rPr lang="en-US" dirty="0"/>
-              <a:t>2/21/2022</a:t>
+              <a:t>3/2/2022</a:t>
             </a:fld>
             <a:endParaRPr lang="en-US"/>
           </a:p>
@@ -4070,7 +4154,7 @@
           <a:p>
             <a:fld id="{9E1F71C5-DC57-4358-A1EA-30C08AF6E3C5}" type="datetimeFigureOut">
               <a:rPr lang="en-US" dirty="0"/>
-              <a:t>2/21/2022</a:t>
+              <a:t>3/2/2022</a:t>
             </a:fld>
             <a:endParaRPr lang="en-US"/>
           </a:p>
@@ -4479,7 +4563,7 @@
           <a:p>
             <a:fld id="{12571DBA-DE60-4731-B773-47AAA185C143}" type="datetimeFigureOut">
               <a:rPr lang="en-US" dirty="0"/>
-              <a:t>2/21/2022</a:t>
+              <a:t>3/2/2022</a:t>
             </a:fld>
             <a:endParaRPr lang="en-US"/>
           </a:p>
@@ -4596,7 +4680,7 @@
           <a:p>
             <a:fld id="{4F170639-886C-4FCF-9EAB-ABB5DA3F3F4A}" type="datetimeFigureOut">
               <a:rPr lang="en-US" dirty="0"/>
-              <a:t>2/21/2022</a:t>
+              <a:t>3/2/2022</a:t>
             </a:fld>
             <a:endParaRPr lang="en-US"/>
           </a:p>
@@ -4691,7 +4775,7 @@
           <a:p>
             <a:fld id="{34C4A628-C83B-4C66-83F4-1711CE3738FD}" type="datetimeFigureOut">
               <a:rPr lang="en-US" dirty="0"/>
-              <a:t>2/21/2022</a:t>
+              <a:t>3/2/2022</a:t>
             </a:fld>
             <a:endParaRPr lang="en-US"/>
           </a:p>
@@ -4976,7 +5060,7 @@
           <a:p>
             <a:fld id="{B88C1D73-9400-43CA-A37F-F9B7D00DE14C}" type="datetimeFigureOut">
               <a:rPr lang="en-US" dirty="0"/>
-              <a:t>2/21/2022</a:t>
+              <a:t>3/2/2022</a:t>
             </a:fld>
             <a:endParaRPr lang="en-US"/>
           </a:p>
@@ -5248,7 +5332,7 @@
           <a:p>
             <a:fld id="{188B7711-B905-4633-B4D7-6F3A49A2E7D9}" type="datetimeFigureOut">
               <a:rPr lang="en-US" dirty="0"/>
-              <a:t>2/21/2022</a:t>
+              <a:t>3/2/2022</a:t>
             </a:fld>
             <a:endParaRPr lang="en-US"/>
           </a:p>
@@ -5498,7 +5582,7 @@
             <a:fld id="{89C235CF-BDA2-4E7E-8BBD-350479985E74}" type="datetimeFigureOut">
               <a:rPr lang="en-US" dirty="0"/>
               <a:pPr/>
-              <a:t>2/21/2022</a:t>
+              <a:t>3/2/2022</a:t>
             </a:fld>
             <a:endParaRPr lang="en-US"/>
           </a:p>
@@ -6450,13 +6534,8 @@
           <a:p>
             <a:r>
               <a:rPr lang="en-US" dirty="0"/>
-              <a:t>What’s the </a:t>
-            </a:r>
-            <a:r>
-              <a:rPr lang="en-US"/>
-              <a:t>difference between a REST API and  CRUD API? </a:t>
-            </a:r>
-            <a:endParaRPr lang="en-US" dirty="0"/>
+              <a:t>Why do we model data?</a:t>
+            </a:r>
           </a:p>
         </p:txBody>
       </p:sp>
